--- a/EscapeJail.pptx
+++ b/EscapeJail.pptx
@@ -5,7 +5,7 @@
     <p:sldMasterId id="2147483660" r:id="rId1"/>
   </p:sldMasterIdLst>
   <p:notesMasterIdLst>
-    <p:notesMasterId r:id="rId12"/>
+    <p:notesMasterId r:id="rId13"/>
   </p:notesMasterIdLst>
   <p:sldIdLst>
     <p:sldId id="256" r:id="rId2"/>
@@ -16,8 +16,9 @@
     <p:sldId id="261" r:id="rId7"/>
     <p:sldId id="262" r:id="rId8"/>
     <p:sldId id="263" r:id="rId9"/>
-    <p:sldId id="264" r:id="rId10"/>
-    <p:sldId id="265" r:id="rId11"/>
+    <p:sldId id="265" r:id="rId10"/>
+    <p:sldId id="266" r:id="rId11"/>
+    <p:sldId id="264" r:id="rId12"/>
   </p:sldIdLst>
   <p:sldSz cx="12192000" cy="6858000"/>
   <p:notesSz cx="6858000" cy="9144000"/>
@@ -206,7 +207,7 @@
           <a:p>
             <a:fld id="{840FCC1B-C5D6-486C-9DB8-EB68A3CBB496}" type="datetimeFigureOut">
               <a:rPr lang="de-CH" smtClean="0"/>
-              <a:t>04.06.2021</a:t>
+              <a:t>11.06.2021</a:t>
             </a:fld>
             <a:endParaRPr lang="de-CH"/>
           </a:p>
@@ -659,7 +660,7 @@
           <a:p>
             <a:fld id="{7E4A7F68-9BBE-4D26-8586-4F1ACD6E1ADE}" type="datetime1">
               <a:rPr lang="de-CH" smtClean="0"/>
-              <a:t>04.06.2021</a:t>
+              <a:t>11.06.2021</a:t>
             </a:fld>
             <a:endParaRPr lang="de-CH"/>
           </a:p>
@@ -957,7 +958,7 @@
           <a:p>
             <a:fld id="{7D65945D-083D-4B3A-A44B-4BB09E2919E3}" type="datetime1">
               <a:rPr lang="de-CH" smtClean="0"/>
-              <a:t>04.06.2021</a:t>
+              <a:t>11.06.2021</a:t>
             </a:fld>
             <a:endParaRPr lang="de-CH"/>
           </a:p>
@@ -1150,7 +1151,7 @@
           <a:p>
             <a:fld id="{7D65945D-083D-4B3A-A44B-4BB09E2919E3}" type="datetime1">
               <a:rPr lang="de-CH" smtClean="0"/>
-              <a:t>04.06.2021</a:t>
+              <a:t>11.06.2021</a:t>
             </a:fld>
             <a:endParaRPr lang="de-CH"/>
           </a:p>
@@ -1412,7 +1413,7 @@
           <a:p>
             <a:fld id="{7D65945D-083D-4B3A-A44B-4BB09E2919E3}" type="datetime1">
               <a:rPr lang="de-CH" smtClean="0"/>
-              <a:t>04.06.2021</a:t>
+              <a:t>11.06.2021</a:t>
             </a:fld>
             <a:endParaRPr lang="de-CH"/>
           </a:p>
@@ -1837,7 +1838,7 @@
           <a:p>
             <a:fld id="{7D65945D-083D-4B3A-A44B-4BB09E2919E3}" type="datetime1">
               <a:rPr lang="de-CH" smtClean="0"/>
-              <a:t>04.06.2021</a:t>
+              <a:t>11.06.2021</a:t>
             </a:fld>
             <a:endParaRPr lang="de-CH"/>
           </a:p>
@@ -2375,7 +2376,7 @@
           <a:p>
             <a:fld id="{7D65945D-083D-4B3A-A44B-4BB09E2919E3}" type="datetime1">
               <a:rPr lang="de-CH" smtClean="0"/>
-              <a:t>04.06.2021</a:t>
+              <a:t>11.06.2021</a:t>
             </a:fld>
             <a:endParaRPr lang="de-CH"/>
           </a:p>
@@ -3240,7 +3241,7 @@
           <a:p>
             <a:fld id="{7D65945D-083D-4B3A-A44B-4BB09E2919E3}" type="datetime1">
               <a:rPr lang="de-CH" smtClean="0"/>
-              <a:t>04.06.2021</a:t>
+              <a:t>11.06.2021</a:t>
             </a:fld>
             <a:endParaRPr lang="de-CH"/>
           </a:p>
@@ -3411,7 +3412,7 @@
           <a:p>
             <a:fld id="{41F48577-23EC-48FA-BBBA-E2F69DE34518}" type="datetime1">
               <a:rPr lang="de-CH" smtClean="0"/>
-              <a:t>04.06.2021</a:t>
+              <a:t>11.06.2021</a:t>
             </a:fld>
             <a:endParaRPr lang="de-CH"/>
           </a:p>
@@ -3595,7 +3596,7 @@
           <a:p>
             <a:fld id="{C680B9E0-9011-42B5-ABEA-D4254C915E3F}" type="datetime1">
               <a:rPr lang="de-CH" smtClean="0"/>
-              <a:t>04.06.2021</a:t>
+              <a:t>11.06.2021</a:t>
             </a:fld>
             <a:endParaRPr lang="de-CH"/>
           </a:p>
@@ -3765,7 +3766,7 @@
           <a:p>
             <a:fld id="{470863DC-8041-4442-9AB3-56887B128C53}" type="datetime1">
               <a:rPr lang="de-CH" smtClean="0"/>
-              <a:t>04.06.2021</a:t>
+              <a:t>11.06.2021</a:t>
             </a:fld>
             <a:endParaRPr lang="de-CH"/>
           </a:p>
@@ -4009,7 +4010,7 @@
           <a:p>
             <a:fld id="{98DAFB32-089F-43EE-91EA-ADB7A7F03F55}" type="datetime1">
               <a:rPr lang="de-CH" smtClean="0"/>
-              <a:t>04.06.2021</a:t>
+              <a:t>11.06.2021</a:t>
             </a:fld>
             <a:endParaRPr lang="de-CH"/>
           </a:p>
@@ -4245,7 +4246,7 @@
           <a:p>
             <a:fld id="{E0F9FA79-A5BA-4A28-8F36-52449134AA23}" type="datetime1">
               <a:rPr lang="de-CH" smtClean="0"/>
-              <a:t>04.06.2021</a:t>
+              <a:t>11.06.2021</a:t>
             </a:fld>
             <a:endParaRPr lang="de-CH"/>
           </a:p>
@@ -4711,7 +4712,7 @@
           <a:p>
             <a:fld id="{134EB344-A54A-495E-A0E6-514EAA424CD2}" type="datetime1">
               <a:rPr lang="de-CH" smtClean="0"/>
-              <a:t>04.06.2021</a:t>
+              <a:t>11.06.2021</a:t>
             </a:fld>
             <a:endParaRPr lang="de-CH"/>
           </a:p>
@@ -4829,7 +4830,7 @@
           <a:p>
             <a:fld id="{E08BC946-8057-4A61-B86C-E8C92D6BD041}" type="datetime1">
               <a:rPr lang="de-CH" smtClean="0"/>
-              <a:t>04.06.2021</a:t>
+              <a:t>11.06.2021</a:t>
             </a:fld>
             <a:endParaRPr lang="de-CH"/>
           </a:p>
@@ -4924,7 +4925,7 @@
           <a:p>
             <a:fld id="{FDA5E641-55B4-4E27-A05A-B176F5072BA9}" type="datetime1">
               <a:rPr lang="de-CH" smtClean="0"/>
-              <a:t>04.06.2021</a:t>
+              <a:t>11.06.2021</a:t>
             </a:fld>
             <a:endParaRPr lang="de-CH"/>
           </a:p>
@@ -5179,7 +5180,7 @@
           <a:p>
             <a:fld id="{8B3DA771-152B-4461-AA12-2160691807A1}" type="datetime1">
               <a:rPr lang="de-CH" smtClean="0"/>
-              <a:t>04.06.2021</a:t>
+              <a:t>11.06.2021</a:t>
             </a:fld>
             <a:endParaRPr lang="de-CH"/>
           </a:p>
@@ -5479,7 +5480,7 @@
           <a:p>
             <a:fld id="{BF1D31C0-35D5-4D38-8982-F9607849254F}" type="datetime1">
               <a:rPr lang="de-CH" smtClean="0"/>
-              <a:t>04.06.2021</a:t>
+              <a:t>11.06.2021</a:t>
             </a:fld>
             <a:endParaRPr lang="de-CH"/>
           </a:p>
@@ -5713,7 +5714,7 @@
           <a:p>
             <a:fld id="{7D65945D-083D-4B3A-A44B-4BB09E2919E3}" type="datetime1">
               <a:rPr lang="de-CH" smtClean="0"/>
-              <a:t>04.06.2021</a:t>
+              <a:t>11.06.2021</a:t>
             </a:fld>
             <a:endParaRPr lang="de-CH"/>
           </a:p>
@@ -6471,6 +6472,25 @@
   <p:clrMapOvr>
     <a:masterClrMapping/>
   </p:clrMapOvr>
+  <mc:AlternateContent xmlns:mc="http://schemas.openxmlformats.org/markup-compatibility/2006">
+    <mc:Choice xmlns:p14="http://schemas.microsoft.com/office/powerpoint/2010/main" Requires="p14">
+      <p:transition spd="med" p14:dur="700">
+        <p:fade/>
+      </p:transition>
+    </mc:Choice>
+    <mc:Fallback>
+      <p:transition spd="med">
+        <p:fade/>
+      </p:transition>
+    </mc:Fallback>
+  </mc:AlternateContent>
+  <p:timing>
+    <p:tnLst>
+      <p:par>
+        <p:cTn id="1" dur="indefinite" restart="never" nodeType="tmRoot"/>
+      </p:par>
+    </p:tnLst>
+  </p:timing>
 </p:sld>
 </file>
 
@@ -6503,33 +6523,107 @@
         </p:nvSpPr>
         <p:spPr/>
         <p:txBody>
+          <a:bodyPr>
+            <a:normAutofit/>
+          </a:bodyPr>
+          <a:lstStyle/>
+          <a:p>
+            <a:r>
+              <a:rPr lang="fr-CH" sz="4800" dirty="0" err="1" smtClean="0"/>
+              <a:t>Scrum</a:t>
+            </a:r>
+            <a:endParaRPr lang="de-CH" sz="4800" dirty="0"/>
+          </a:p>
+        </p:txBody>
+      </p:sp>
+      <p:sp>
+        <p:nvSpPr>
+          <p:cNvPr id="3" name="Espace réservé du contenu 2"/>
+          <p:cNvSpPr>
+            <a:spLocks noGrp="1"/>
+          </p:cNvSpPr>
+          <p:nvPr>
+            <p:ph idx="1"/>
+          </p:nvPr>
+        </p:nvSpPr>
+        <p:spPr/>
+        <p:txBody>
           <a:bodyPr/>
           <a:lstStyle/>
           <a:p>
-            <a:r>
-              <a:rPr lang="fr-CH" dirty="0" smtClean="0"/>
-              <a:t>Démo</a:t>
-            </a:r>
-            <a:endParaRPr lang="de-CH" dirty="0"/>
-          </a:p>
-        </p:txBody>
-      </p:sp>
-      <p:sp>
-        <p:nvSpPr>
-          <p:cNvPr id="3" name="Espace réservé du contenu 2"/>
-          <p:cNvSpPr>
-            <a:spLocks noGrp="1"/>
-          </p:cNvSpPr>
-          <p:nvPr>
-            <p:ph idx="1"/>
-          </p:nvPr>
-        </p:nvSpPr>
-        <p:spPr/>
-        <p:txBody>
-          <a:bodyPr/>
-          <a:lstStyle/>
-          <a:p>
-            <a:endParaRPr lang="de-CH"/>
+            <a:pPr>
+              <a:lnSpc>
+                <a:spcPct val="300000"/>
+              </a:lnSpc>
+            </a:pPr>
+            <a:r>
+              <a:rPr lang="fr-CH" dirty="0">
+                <a:effectLst/>
+              </a:rPr>
+              <a:t>Ce qui a bien </a:t>
+            </a:r>
+            <a:r>
+              <a:rPr lang="fr-CH" dirty="0" smtClean="0">
+                <a:effectLst/>
+              </a:rPr>
+              <a:t>marché</a:t>
+            </a:r>
+          </a:p>
+          <a:p>
+            <a:pPr>
+              <a:lnSpc>
+                <a:spcPct val="300000"/>
+              </a:lnSpc>
+            </a:pPr>
+            <a:r>
+              <a:rPr lang="fr-CH" dirty="0">
+                <a:effectLst/>
+              </a:rPr>
+              <a:t>Ce qui a moins bien </a:t>
+            </a:r>
+            <a:r>
+              <a:rPr lang="fr-CH" dirty="0" smtClean="0">
+                <a:effectLst/>
+              </a:rPr>
+              <a:t>marché</a:t>
+            </a:r>
+          </a:p>
+          <a:p>
+            <a:pPr>
+              <a:lnSpc>
+                <a:spcPct val="300000"/>
+              </a:lnSpc>
+            </a:pPr>
+            <a:r>
+              <a:rPr lang="fr-CH" dirty="0">
+                <a:effectLst/>
+              </a:rPr>
+              <a:t>Ce que la </a:t>
+            </a:r>
+            <a:r>
+              <a:rPr lang="fr-CH" dirty="0" smtClean="0">
+                <a:effectLst/>
+              </a:rPr>
+              <a:t>méthodologie </a:t>
+            </a:r>
+            <a:r>
+              <a:rPr lang="fr-CH" dirty="0" err="1">
+                <a:effectLst/>
+              </a:rPr>
+              <a:t>Scrum</a:t>
+            </a:r>
+            <a:r>
+              <a:rPr lang="fr-CH" dirty="0">
+                <a:effectLst/>
+              </a:rPr>
+              <a:t> vous à </a:t>
+            </a:r>
+            <a:r>
+              <a:rPr lang="fr-CH" dirty="0" smtClean="0">
+                <a:effectLst/>
+              </a:rPr>
+              <a:t>apporté</a:t>
+            </a:r>
           </a:p>
         </p:txBody>
       </p:sp>
@@ -6559,13 +6653,158 @@
     </p:spTree>
     <p:extLst>
       <p:ext uri="{BB962C8B-B14F-4D97-AF65-F5344CB8AC3E}">
-        <p14:creationId xmlns:p14="http://schemas.microsoft.com/office/powerpoint/2010/main" val="2439528266"/>
+        <p14:creationId xmlns:p14="http://schemas.microsoft.com/office/powerpoint/2010/main" val="50921003"/>
       </p:ext>
     </p:extLst>
   </p:cSld>
   <p:clrMapOvr>
     <a:masterClrMapping/>
   </p:clrMapOvr>
+  <mc:AlternateContent xmlns:mc="http://schemas.openxmlformats.org/markup-compatibility/2006">
+    <mc:Choice xmlns:p14="http://schemas.microsoft.com/office/powerpoint/2010/main" Requires="p14">
+      <p:transition spd="med" p14:dur="700">
+        <p:fade/>
+      </p:transition>
+    </mc:Choice>
+    <mc:Fallback>
+      <p:transition spd="med">
+        <p:fade/>
+      </p:transition>
+    </mc:Fallback>
+  </mc:AlternateContent>
+  <p:timing>
+    <p:tnLst>
+      <p:par>
+        <p:cTn id="1" dur="indefinite" restart="never" nodeType="tmRoot"/>
+      </p:par>
+    </p:tnLst>
+  </p:timing>
+</p:sld>
+</file>
+
+<file path=ppt/slides/slide11.xml><?xml version="1.0" encoding="utf-8"?>
+<p:sld xmlns:a="http://schemas.openxmlformats.org/drawingml/2006/main" xmlns:r="http://schemas.openxmlformats.org/officeDocument/2006/relationships" xmlns:p="http://schemas.openxmlformats.org/presentationml/2006/main">
+  <p:cSld>
+    <p:spTree>
+      <p:nvGrpSpPr>
+        <p:cNvPr id="1" name=""/>
+        <p:cNvGrpSpPr/>
+        <p:nvPr/>
+      </p:nvGrpSpPr>
+      <p:grpSpPr>
+        <a:xfrm>
+          <a:off x="0" y="0"/>
+          <a:ext cx="0" cy="0"/>
+          <a:chOff x="0" y="0"/>
+          <a:chExt cx="0" cy="0"/>
+        </a:xfrm>
+      </p:grpSpPr>
+      <p:sp>
+        <p:nvSpPr>
+          <p:cNvPr id="2" name="Titre 1"/>
+          <p:cNvSpPr>
+            <a:spLocks noGrp="1"/>
+          </p:cNvSpPr>
+          <p:nvPr>
+            <p:ph type="title"/>
+          </p:nvPr>
+        </p:nvSpPr>
+        <p:spPr/>
+        <p:txBody>
+          <a:bodyPr>
+            <a:normAutofit/>
+          </a:bodyPr>
+          <a:lstStyle/>
+          <a:p>
+            <a:r>
+              <a:rPr lang="fr-CH" sz="4800" dirty="0" smtClean="0"/>
+              <a:t>Questions</a:t>
+            </a:r>
+            <a:endParaRPr lang="de-CH" sz="4800" dirty="0"/>
+          </a:p>
+        </p:txBody>
+      </p:sp>
+      <p:pic>
+        <p:nvPicPr>
+          <p:cNvPr id="5" name="Espace réservé du contenu 4"/>
+          <p:cNvPicPr>
+            <a:picLocks noGrp="1" noChangeAspect="1"/>
+          </p:cNvPicPr>
+          <p:nvPr>
+            <p:ph idx="1"/>
+          </p:nvPr>
+        </p:nvPicPr>
+        <p:blipFill>
+          <a:blip r:embed="rId2">
+            <a:extLst>
+              <a:ext uri="{28A0092B-C50C-407E-A947-70E740481C1C}">
+                <a14:useLocalDpi xmlns:a14="http://schemas.microsoft.com/office/drawing/2010/main" val="0"/>
+              </a:ext>
+            </a:extLst>
+          </a:blip>
+          <a:stretch>
+            <a:fillRect/>
+          </a:stretch>
+        </p:blipFill>
+        <p:spPr>
+          <a:xfrm>
+            <a:off x="4214553" y="1990754"/>
+            <a:ext cx="3892521" cy="3892521"/>
+          </a:xfrm>
+        </p:spPr>
+      </p:pic>
+      <p:sp>
+        <p:nvSpPr>
+          <p:cNvPr id="4" name="Espace réservé du numéro de diapositive 3"/>
+          <p:cNvSpPr>
+            <a:spLocks noGrp="1"/>
+          </p:cNvSpPr>
+          <p:nvPr>
+            <p:ph type="sldNum" sz="quarter" idx="12"/>
+          </p:nvPr>
+        </p:nvSpPr>
+        <p:spPr/>
+        <p:txBody>
+          <a:bodyPr/>
+          <a:lstStyle/>
+          <a:p>
+            <a:fld id="{CEA6DBF0-4870-4FE2-992F-041279857469}" type="slidenum">
+              <a:rPr lang="de-CH" smtClean="0"/>
+              <a:t>11</a:t>
+            </a:fld>
+            <a:endParaRPr lang="de-CH"/>
+          </a:p>
+        </p:txBody>
+      </p:sp>
+    </p:spTree>
+    <p:extLst>
+      <p:ext uri="{BB962C8B-B14F-4D97-AF65-F5344CB8AC3E}">
+        <p14:creationId xmlns:p14="http://schemas.microsoft.com/office/powerpoint/2010/main" val="2550004414"/>
+      </p:ext>
+    </p:extLst>
+  </p:cSld>
+  <p:clrMapOvr>
+    <a:masterClrMapping/>
+  </p:clrMapOvr>
+  <mc:AlternateContent xmlns:mc="http://schemas.openxmlformats.org/markup-compatibility/2006">
+    <mc:Choice xmlns:p14="http://schemas.microsoft.com/office/powerpoint/2010/main" Requires="p14">
+      <p:transition spd="med" p14:dur="700">
+        <p:fade/>
+      </p:transition>
+    </mc:Choice>
+    <mc:Fallback>
+      <p:transition spd="med">
+        <p:fade/>
+      </p:transition>
+    </mc:Fallback>
+  </mc:AlternateContent>
+  <p:timing>
+    <p:tnLst>
+      <p:par>
+        <p:cTn id="1" dur="indefinite" restart="never" nodeType="tmRoot"/>
+      </p:par>
+    </p:tnLst>
+  </p:timing>
 </p:sld>
 </file>
 
@@ -6598,14 +6837,16 @@
         </p:nvSpPr>
         <p:spPr/>
         <p:txBody>
-          <a:bodyPr/>
-          <a:lstStyle/>
-          <a:p>
-            <a:r>
-              <a:rPr lang="fr-CH" dirty="0" smtClean="0"/>
+          <a:bodyPr>
+            <a:normAutofit/>
+          </a:bodyPr>
+          <a:lstStyle/>
+          <a:p>
+            <a:r>
+              <a:rPr lang="fr-CH" sz="4800" dirty="0" smtClean="0"/>
               <a:t>Sommaire</a:t>
             </a:r>
-            <a:endParaRPr lang="de-CH" dirty="0"/>
+            <a:endParaRPr lang="de-CH" sz="4800" dirty="0"/>
           </a:p>
         </p:txBody>
       </p:sp>
@@ -6627,7 +6868,7 @@
         </p:spPr>
         <p:txBody>
           <a:bodyPr>
-            <a:normAutofit fontScale="92500" lnSpcReduction="10000"/>
+            <a:normAutofit fontScale="85000" lnSpcReduction="20000"/>
           </a:bodyPr>
           <a:lstStyle/>
           <a:p>
@@ -6663,26 +6904,43 @@
           </a:p>
           <a:p>
             <a:r>
+              <a:rPr lang="de-CH" sz="3000" dirty="0" err="1" smtClean="0"/>
+              <a:t>Cahier</a:t>
+            </a:r>
+            <a:r>
+              <a:rPr lang="de-CH" sz="3000" dirty="0" smtClean="0"/>
+              <a:t> </a:t>
+            </a:r>
+            <a:r>
               <a:rPr lang="de-CH" sz="3000" dirty="0"/>
-              <a:t>Comparaison cahier des </a:t>
-            </a:r>
-            <a:r>
-              <a:rPr lang="de-CH" sz="3000" dirty="0" smtClean="0"/>
+              <a:t>des </a:t>
+            </a:r>
+            <a:r>
+              <a:rPr lang="de-CH" sz="3000" dirty="0" err="1" smtClean="0"/>
               <a:t>charges</a:t>
             </a:r>
+            <a:endParaRPr lang="de-CH" sz="3000" dirty="0" smtClean="0"/>
+          </a:p>
+          <a:p>
+            <a:r>
+              <a:rPr lang="fr-CH" sz="3000" dirty="0"/>
+              <a:t>Démo</a:t>
+            </a:r>
+            <a:endParaRPr lang="de-CH" sz="3000" dirty="0"/>
+          </a:p>
+          <a:p>
+            <a:r>
+              <a:rPr lang="fr-CH" sz="3000" dirty="0" err="1" smtClean="0"/>
+              <a:t>Scrum</a:t>
+            </a:r>
+            <a:endParaRPr lang="de-CH" sz="3000" dirty="0" smtClean="0"/>
           </a:p>
           <a:p>
             <a:r>
               <a:rPr lang="fr-CH" sz="3000" dirty="0" smtClean="0"/>
-              <a:t>Question</a:t>
-            </a:r>
-          </a:p>
-          <a:p>
-            <a:r>
-              <a:rPr lang="fr-CH" sz="3000" dirty="0" smtClean="0"/>
-              <a:t>Démo</a:t>
-            </a:r>
-            <a:endParaRPr lang="de-CH" sz="3000" dirty="0" smtClean="0"/>
+              <a:t>Questions</a:t>
+            </a:r>
+            <a:endParaRPr lang="fr-CH" sz="3000" dirty="0" smtClean="0"/>
           </a:p>
           <a:p>
             <a:pPr marL="0" indent="0">
@@ -6725,6 +6983,25 @@
   <p:clrMapOvr>
     <a:masterClrMapping/>
   </p:clrMapOvr>
+  <mc:AlternateContent xmlns:mc="http://schemas.openxmlformats.org/markup-compatibility/2006">
+    <mc:Choice xmlns:p14="http://schemas.microsoft.com/office/powerpoint/2010/main" Requires="p14">
+      <p:transition spd="med" p14:dur="700">
+        <p:fade/>
+      </p:transition>
+    </mc:Choice>
+    <mc:Fallback>
+      <p:transition spd="med">
+        <p:fade/>
+      </p:transition>
+    </mc:Fallback>
+  </mc:AlternateContent>
+  <p:timing>
+    <p:tnLst>
+      <p:par>
+        <p:cTn id="1" dur="indefinite" restart="never" nodeType="tmRoot"/>
+      </p:par>
+    </p:tnLst>
+  </p:timing>
 </p:sld>
 </file>
 
@@ -6757,14 +7034,16 @@
         </p:nvSpPr>
         <p:spPr/>
         <p:txBody>
-          <a:bodyPr/>
-          <a:lstStyle/>
-          <a:p>
-            <a:r>
-              <a:rPr lang="fr-CH" dirty="0" smtClean="0"/>
+          <a:bodyPr>
+            <a:normAutofit/>
+          </a:bodyPr>
+          <a:lstStyle/>
+          <a:p>
+            <a:r>
+              <a:rPr lang="fr-CH" sz="4800" dirty="0" smtClean="0"/>
               <a:t>Notre projet</a:t>
             </a:r>
-            <a:endParaRPr lang="de-CH" dirty="0"/>
+            <a:endParaRPr lang="de-CH" sz="4800" dirty="0"/>
           </a:p>
         </p:txBody>
       </p:sp>
@@ -6860,6 +7139,25 @@
   <p:clrMapOvr>
     <a:masterClrMapping/>
   </p:clrMapOvr>
+  <mc:AlternateContent xmlns:mc="http://schemas.openxmlformats.org/markup-compatibility/2006">
+    <mc:Choice xmlns:p14="http://schemas.microsoft.com/office/powerpoint/2010/main" Requires="p14">
+      <p:transition spd="med" p14:dur="700">
+        <p:fade/>
+      </p:transition>
+    </mc:Choice>
+    <mc:Fallback>
+      <p:transition spd="med">
+        <p:fade/>
+      </p:transition>
+    </mc:Fallback>
+  </mc:AlternateContent>
+  <p:timing>
+    <p:tnLst>
+      <p:par>
+        <p:cTn id="1" dur="indefinite" restart="never" nodeType="tmRoot"/>
+      </p:par>
+    </p:tnLst>
+  </p:timing>
 </p:sld>
 </file>
 
@@ -6892,14 +7190,16 @@
         </p:nvSpPr>
         <p:spPr/>
         <p:txBody>
-          <a:bodyPr/>
-          <a:lstStyle/>
-          <a:p>
-            <a:r>
-              <a:rPr lang="fr-CH" dirty="0" smtClean="0"/>
+          <a:bodyPr>
+            <a:normAutofit/>
+          </a:bodyPr>
+          <a:lstStyle/>
+          <a:p>
+            <a:r>
+              <a:rPr lang="fr-CH" sz="4800" dirty="0" smtClean="0"/>
               <a:t>Outils</a:t>
             </a:r>
-            <a:endParaRPr lang="de-CH" dirty="0"/>
+            <a:endParaRPr lang="de-CH" sz="4800" dirty="0"/>
           </a:p>
         </p:txBody>
       </p:sp>
@@ -6995,6 +7295,25 @@
   <p:clrMapOvr>
     <a:masterClrMapping/>
   </p:clrMapOvr>
+  <mc:AlternateContent xmlns:mc="http://schemas.openxmlformats.org/markup-compatibility/2006">
+    <mc:Choice xmlns:p14="http://schemas.microsoft.com/office/powerpoint/2010/main" Requires="p14">
+      <p:transition spd="med" p14:dur="700">
+        <p:fade/>
+      </p:transition>
+    </mc:Choice>
+    <mc:Fallback>
+      <p:transition spd="med">
+        <p:fade/>
+      </p:transition>
+    </mc:Fallback>
+  </mc:AlternateContent>
+  <p:timing>
+    <p:tnLst>
+      <p:par>
+        <p:cTn id="1" dur="indefinite" restart="never" nodeType="tmRoot"/>
+      </p:par>
+    </p:tnLst>
+  </p:timing>
 </p:sld>
 </file>
 
@@ -7027,14 +7346,16 @@
         </p:nvSpPr>
         <p:spPr/>
         <p:txBody>
-          <a:bodyPr/>
-          <a:lstStyle/>
-          <a:p>
-            <a:r>
-              <a:rPr lang="fr-CH" dirty="0" smtClean="0"/>
+          <a:bodyPr>
+            <a:normAutofit/>
+          </a:bodyPr>
+          <a:lstStyle/>
+          <a:p>
+            <a:r>
+              <a:rPr lang="fr-CH" sz="4800" dirty="0" smtClean="0"/>
               <a:t>Spécificité</a:t>
             </a:r>
-            <a:endParaRPr lang="de-CH" dirty="0"/>
+            <a:endParaRPr lang="de-CH" sz="4800" dirty="0"/>
           </a:p>
         </p:txBody>
       </p:sp>
@@ -7151,6 +7472,25 @@
   <p:clrMapOvr>
     <a:masterClrMapping/>
   </p:clrMapOvr>
+  <mc:AlternateContent xmlns:mc="http://schemas.openxmlformats.org/markup-compatibility/2006">
+    <mc:Choice xmlns:p14="http://schemas.microsoft.com/office/powerpoint/2010/main" Requires="p14">
+      <p:transition spd="med" p14:dur="700">
+        <p:fade/>
+      </p:transition>
+    </mc:Choice>
+    <mc:Fallback>
+      <p:transition spd="med">
+        <p:fade/>
+      </p:transition>
+    </mc:Fallback>
+  </mc:AlternateContent>
+  <p:timing>
+    <p:tnLst>
+      <p:par>
+        <p:cTn id="1" dur="indefinite" restart="never" nodeType="tmRoot"/>
+      </p:par>
+    </p:tnLst>
+  </p:timing>
 </p:sld>
 </file>
 
@@ -7183,14 +7523,16 @@
         </p:nvSpPr>
         <p:spPr/>
         <p:txBody>
-          <a:bodyPr/>
-          <a:lstStyle/>
-          <a:p>
-            <a:r>
-              <a:rPr lang="fr-CH" dirty="0" smtClean="0"/>
+          <a:bodyPr>
+            <a:normAutofit/>
+          </a:bodyPr>
+          <a:lstStyle/>
+          <a:p>
+            <a:r>
+              <a:rPr lang="fr-CH" sz="4800" dirty="0" smtClean="0"/>
               <a:t>Problème</a:t>
             </a:r>
-            <a:endParaRPr lang="de-CH" dirty="0"/>
+            <a:endParaRPr lang="de-CH" sz="4800" dirty="0"/>
           </a:p>
         </p:txBody>
       </p:sp>
@@ -7327,6 +7669,25 @@
   <p:clrMapOvr>
     <a:masterClrMapping/>
   </p:clrMapOvr>
+  <mc:AlternateContent xmlns:mc="http://schemas.openxmlformats.org/markup-compatibility/2006">
+    <mc:Choice xmlns:p14="http://schemas.microsoft.com/office/powerpoint/2010/main" Requires="p14">
+      <p:transition spd="med" p14:dur="700">
+        <p:fade/>
+      </p:transition>
+    </mc:Choice>
+    <mc:Fallback>
+      <p:transition spd="med">
+        <p:fade/>
+      </p:transition>
+    </mc:Fallback>
+  </mc:AlternateContent>
+  <p:timing>
+    <p:tnLst>
+      <p:par>
+        <p:cTn id="1" dur="indefinite" restart="never" nodeType="tmRoot"/>
+      </p:par>
+    </p:tnLst>
+  </p:timing>
 </p:sld>
 </file>
 
@@ -7357,20 +7718,34 @@
             <p:ph type="title"/>
           </p:nvPr>
         </p:nvSpPr>
-        <p:spPr/>
+        <p:spPr>
+          <a:xfrm>
+            <a:off x="913795" y="487815"/>
+            <a:ext cx="10353762" cy="970450"/>
+          </a:xfrm>
+        </p:spPr>
         <p:txBody>
           <a:bodyPr>
-            <a:normAutofit fontScale="90000"/>
+            <a:normAutofit/>
           </a:bodyPr>
           <a:lstStyle/>
           <a:p>
             <a:r>
-              <a:rPr lang="fr-CH" dirty="0" smtClean="0"/>
-              <a:t>Ce qu’on a appris</a:t>
-            </a:r>
-            <a:br>
-              <a:rPr lang="fr-CH" dirty="0" smtClean="0"/>
-            </a:br>
+              <a:rPr lang="fr-CH" sz="5300" dirty="0" smtClean="0"/>
+              <a:t>Ce </a:t>
+            </a:r>
+            <a:r>
+              <a:rPr lang="fr-CH" sz="4800" dirty="0" smtClean="0"/>
+              <a:t>qu’on</a:t>
+            </a:r>
+            <a:r>
+              <a:rPr lang="fr-CH" sz="5300" dirty="0" smtClean="0"/>
+              <a:t> a </a:t>
+            </a:r>
+            <a:r>
+              <a:rPr lang="fr-CH" sz="5300" dirty="0" smtClean="0"/>
+              <a:t>appris</a:t>
+            </a:r>
             <a:endParaRPr lang="de-CH" dirty="0"/>
           </a:p>
         </p:txBody>
@@ -7474,28 +7849,70 @@
       </p:sp>
       <p:pic>
         <p:nvPicPr>
-          <p:cNvPr id="5" name="Image 4"/>
+          <p:cNvPr id="6" name="Image 5"/>
           <p:cNvPicPr>
             <a:picLocks noChangeAspect="1"/>
           </p:cNvPicPr>
           <p:nvPr/>
         </p:nvPicPr>
         <p:blipFill>
-          <a:blip r:embed="rId2">
-            <a:extLst>
-              <a:ext uri="{28A0092B-C50C-407E-A947-70E740481C1C}">
-                <a14:useLocalDpi xmlns:a14="http://schemas.microsoft.com/office/drawing/2010/main" val="0"/>
-              </a:ext>
-            </a:extLst>
-          </a:blip>
+          <a:blip r:embed="rId2"/>
           <a:stretch>
             <a:fillRect/>
           </a:stretch>
         </p:blipFill>
         <p:spPr>
           <a:xfrm>
-            <a:off x="5318933" y="2421256"/>
-            <a:ext cx="5810250" cy="2381250"/>
+            <a:off x="6334246" y="1594980"/>
+            <a:ext cx="3365117" cy="2330655"/>
+          </a:xfrm>
+          <a:prstGeom prst="rect">
+            <a:avLst/>
+          </a:prstGeom>
+        </p:spPr>
+      </p:pic>
+      <p:pic>
+        <p:nvPicPr>
+          <p:cNvPr id="7" name="Image 6"/>
+          <p:cNvPicPr>
+            <a:picLocks noChangeAspect="1"/>
+          </p:cNvPicPr>
+          <p:nvPr/>
+        </p:nvPicPr>
+        <p:blipFill>
+          <a:blip r:embed="rId3"/>
+          <a:stretch>
+            <a:fillRect/>
+          </a:stretch>
+        </p:blipFill>
+        <p:spPr>
+          <a:xfrm rot="998530">
+            <a:off x="4312917" y="4202729"/>
+            <a:ext cx="2143952" cy="2141131"/>
+          </a:xfrm>
+          <a:prstGeom prst="rect">
+            <a:avLst/>
+          </a:prstGeom>
+        </p:spPr>
+      </p:pic>
+      <p:pic>
+        <p:nvPicPr>
+          <p:cNvPr id="8" name="Image 7"/>
+          <p:cNvPicPr>
+            <a:picLocks noChangeAspect="1"/>
+          </p:cNvPicPr>
+          <p:nvPr/>
+        </p:nvPicPr>
+        <p:blipFill>
+          <a:blip r:embed="rId4"/>
+          <a:stretch>
+            <a:fillRect/>
+          </a:stretch>
+        </p:blipFill>
+        <p:spPr>
+          <a:xfrm rot="21091394">
+            <a:off x="7320684" y="4421237"/>
+            <a:ext cx="3099413" cy="1147792"/>
           </a:xfrm>
           <a:prstGeom prst="rect">
             <a:avLst/>
@@ -7512,6 +7929,25 @@
   <p:clrMapOvr>
     <a:masterClrMapping/>
   </p:clrMapOvr>
+  <mc:AlternateContent xmlns:mc="http://schemas.openxmlformats.org/markup-compatibility/2006">
+    <mc:Choice xmlns:p14="http://schemas.microsoft.com/office/powerpoint/2010/main" Requires="p14">
+      <p:transition spd="med" p14:dur="700">
+        <p:fade/>
+      </p:transition>
+    </mc:Choice>
+    <mc:Fallback>
+      <p:transition spd="med">
+        <p:fade/>
+      </p:transition>
+    </mc:Fallback>
+  </mc:AlternateContent>
+  <p:timing>
+    <p:tnLst>
+      <p:par>
+        <p:cTn id="1" dur="indefinite" restart="never" nodeType="tmRoot"/>
+      </p:par>
+    </p:tnLst>
+  </p:timing>
 </p:sld>
 </file>
 
@@ -7542,16 +7978,35 @@
             <p:ph type="title"/>
           </p:nvPr>
         </p:nvSpPr>
-        <p:spPr/>
-        <p:txBody>
-          <a:bodyPr/>
-          <a:lstStyle/>
-          <a:p>
-            <a:r>
-              <a:rPr lang="de-CH" dirty="0" smtClean="0"/>
-              <a:t>Comparaison cahier des charges</a:t>
-            </a:r>
-            <a:endParaRPr lang="de-CH" dirty="0"/>
+        <p:spPr>
+          <a:xfrm>
+            <a:off x="913794" y="484909"/>
+            <a:ext cx="10353762" cy="970450"/>
+          </a:xfrm>
+        </p:spPr>
+        <p:txBody>
+          <a:bodyPr>
+            <a:normAutofit/>
+          </a:bodyPr>
+          <a:lstStyle/>
+          <a:p>
+            <a:r>
+              <a:rPr lang="de-CH" sz="4800" dirty="0" err="1"/>
+              <a:t>C</a:t>
+            </a:r>
+            <a:r>
+              <a:rPr lang="de-CH" sz="4800" dirty="0" err="1" smtClean="0"/>
+              <a:t>ahier</a:t>
+            </a:r>
+            <a:r>
+              <a:rPr lang="de-CH" sz="4800" dirty="0" smtClean="0"/>
+              <a:t> </a:t>
+            </a:r>
+            <a:r>
+              <a:rPr lang="de-CH" sz="4800" dirty="0" smtClean="0"/>
+              <a:t>des charges</a:t>
+            </a:r>
+            <a:endParaRPr lang="de-CH" sz="4800" dirty="0"/>
           </a:p>
         </p:txBody>
       </p:sp>
@@ -7617,6 +8072,25 @@
   <p:clrMapOvr>
     <a:masterClrMapping/>
   </p:clrMapOvr>
+  <mc:AlternateContent xmlns:mc="http://schemas.openxmlformats.org/markup-compatibility/2006">
+    <mc:Choice xmlns:p14="http://schemas.microsoft.com/office/powerpoint/2010/main" Requires="p14">
+      <p:transition spd="med" p14:dur="700">
+        <p:fade/>
+      </p:transition>
+    </mc:Choice>
+    <mc:Fallback>
+      <p:transition spd="med">
+        <p:fade/>
+      </p:transition>
+    </mc:Fallback>
+  </mc:AlternateContent>
+  <p:timing>
+    <p:tnLst>
+      <p:par>
+        <p:cTn id="1" dur="indefinite" restart="never" nodeType="tmRoot"/>
+      </p:par>
+    </p:tnLst>
+  </p:timing>
 </p:sld>
 </file>
 
@@ -7647,48 +8121,26 @@
             <p:ph type="title"/>
           </p:nvPr>
         </p:nvSpPr>
-        <p:spPr/>
-        <p:txBody>
-          <a:bodyPr/>
-          <a:lstStyle/>
-          <a:p>
-            <a:r>
-              <a:rPr lang="fr-CH" dirty="0" smtClean="0"/>
-              <a:t>Question</a:t>
-            </a:r>
-            <a:endParaRPr lang="de-CH" dirty="0"/>
-          </a:p>
-        </p:txBody>
-      </p:sp>
-      <p:pic>
-        <p:nvPicPr>
-          <p:cNvPr id="5" name="Espace réservé du contenu 4"/>
-          <p:cNvPicPr>
-            <a:picLocks noGrp="1" noChangeAspect="1"/>
-          </p:cNvPicPr>
-          <p:nvPr>
-            <p:ph idx="1"/>
-          </p:nvPr>
-        </p:nvPicPr>
-        <p:blipFill>
-          <a:blip r:embed="rId2">
-            <a:extLst>
-              <a:ext uri="{28A0092B-C50C-407E-A947-70E740481C1C}">
-                <a14:useLocalDpi xmlns:a14="http://schemas.microsoft.com/office/drawing/2010/main" val="0"/>
-              </a:ext>
-            </a:extLst>
-          </a:blip>
-          <a:stretch>
-            <a:fillRect/>
-          </a:stretch>
-        </p:blipFill>
         <p:spPr>
           <a:xfrm>
-            <a:off x="4214553" y="1990754"/>
-            <a:ext cx="3892521" cy="3892521"/>
+            <a:off x="705976" y="2779221"/>
+            <a:ext cx="10353762" cy="970450"/>
           </a:xfrm>
         </p:spPr>
-      </p:pic>
+        <p:txBody>
+          <a:bodyPr>
+            <a:noAutofit/>
+          </a:bodyPr>
+          <a:lstStyle/>
+          <a:p>
+            <a:r>
+              <a:rPr lang="fr-CH" sz="8000" dirty="0" smtClean="0"/>
+              <a:t>Démo</a:t>
+            </a:r>
+            <a:endParaRPr lang="de-CH" sz="8000" dirty="0"/>
+          </a:p>
+        </p:txBody>
+      </p:sp>
       <p:sp>
         <p:nvSpPr>
           <p:cNvPr id="4" name="Espace réservé du numéro de diapositive 3"/>
@@ -7715,13 +8167,32 @@
     </p:spTree>
     <p:extLst>
       <p:ext uri="{BB962C8B-B14F-4D97-AF65-F5344CB8AC3E}">
-        <p14:creationId xmlns:p14="http://schemas.microsoft.com/office/powerpoint/2010/main" val="2550004414"/>
+        <p14:creationId xmlns:p14="http://schemas.microsoft.com/office/powerpoint/2010/main" val="2439528266"/>
       </p:ext>
     </p:extLst>
   </p:cSld>
   <p:clrMapOvr>
     <a:masterClrMapping/>
   </p:clrMapOvr>
+  <mc:AlternateContent xmlns:mc="http://schemas.openxmlformats.org/markup-compatibility/2006">
+    <mc:Choice xmlns:p14="http://schemas.microsoft.com/office/powerpoint/2010/main" Requires="p14">
+      <p:transition spd="med" p14:dur="700">
+        <p:fade/>
+      </p:transition>
+    </mc:Choice>
+    <mc:Fallback>
+      <p:transition spd="med">
+        <p:fade/>
+      </p:transition>
+    </mc:Fallback>
+  </mc:AlternateContent>
+  <p:timing>
+    <p:tnLst>
+      <p:par>
+        <p:cTn id="1" dur="indefinite" restart="never" nodeType="tmRoot"/>
+      </p:par>
+    </p:tnLst>
+  </p:timing>
 </p:sld>
 </file>
 
